--- a/Reports/Software Architecture Report/Software Design Detail Report.pptx
+++ b/Reports/Software Architecture Report/Software Design Detail Report.pptx
@@ -117,6 +117,10 @@
 </p:presentation>
 </file>
 
+<file path=ppt/revisionInfo.xml><?xml version="1.0" encoding="utf-8"?>
+<p1510:revInfo xmlns:a="http://schemas.openxmlformats.org/drawingml/2006/main" xmlns:r="http://schemas.openxmlformats.org/officeDocument/2006/relationships" xmlns:p1510="http://schemas.microsoft.com/office/powerpoint/2015/10/main"/>
+</file>
+
 <file path=ppt/slideLayouts/slideLayout1.xml><?xml version="1.0" encoding="utf-8"?>
 <p:sldLayout xmlns:a="http://schemas.openxmlformats.org/drawingml/2006/main" xmlns:r="http://schemas.openxmlformats.org/officeDocument/2006/relationships" xmlns:p="http://schemas.openxmlformats.org/presentationml/2006/main" type="title" preserve="1">
   <p:cSld name="Title Slide">
@@ -300,7 +304,7 @@
           <a:p>
             <a:fld id="{4AAD347D-5ACD-4C99-B74B-A9C85AD731AF}" type="datetimeFigureOut">
               <a:rPr lang="en-US" dirty="0"/>
-              <a:t>10/30/2017</a:t>
+              <a:t>10/31/2017</a:t>
             </a:fld>
             <a:endParaRPr lang="en-US" dirty="0"/>
           </a:p>
@@ -570,7 +574,7 @@
           <a:p>
             <a:fld id="{4509A250-FF31-4206-8172-F9D3106AACB1}" type="datetimeFigureOut">
               <a:rPr lang="en-US" dirty="0"/>
-              <a:t>10/30/2017</a:t>
+              <a:t>10/31/2017</a:t>
             </a:fld>
             <a:endParaRPr lang="en-US" dirty="0"/>
           </a:p>
@@ -759,7 +763,7 @@
           <a:p>
             <a:fld id="{4509A250-FF31-4206-8172-F9D3106AACB1}" type="datetimeFigureOut">
               <a:rPr lang="en-US" dirty="0"/>
-              <a:t>10/30/2017</a:t>
+              <a:t>10/31/2017</a:t>
             </a:fld>
             <a:endParaRPr lang="en-US" dirty="0"/>
           </a:p>
@@ -1022,7 +1026,7 @@
           <a:p>
             <a:fld id="{4509A250-FF31-4206-8172-F9D3106AACB1}" type="datetimeFigureOut">
               <a:rPr lang="en-US" dirty="0"/>
-              <a:t>10/30/2017</a:t>
+              <a:t>10/31/2017</a:t>
             </a:fld>
             <a:endParaRPr lang="en-US" dirty="0"/>
           </a:p>
@@ -1349,7 +1353,7 @@
           <a:p>
             <a:fld id="{4509A250-FF31-4206-8172-F9D3106AACB1}" type="datetimeFigureOut">
               <a:rPr lang="en-US" dirty="0"/>
-              <a:t>10/30/2017</a:t>
+              <a:t>10/31/2017</a:t>
             </a:fld>
             <a:endParaRPr lang="en-US" dirty="0"/>
           </a:p>
@@ -1954,7 +1958,7 @@
           <a:p>
             <a:fld id="{4509A250-FF31-4206-8172-F9D3106AACB1}" type="datetimeFigureOut">
               <a:rPr lang="en-US" dirty="0"/>
-              <a:t>10/30/2017</a:t>
+              <a:t>10/31/2017</a:t>
             </a:fld>
             <a:endParaRPr lang="en-US" dirty="0"/>
           </a:p>
@@ -2796,7 +2800,7 @@
           <a:p>
             <a:fld id="{4509A250-FF31-4206-8172-F9D3106AACB1}" type="datetimeFigureOut">
               <a:rPr lang="en-US" dirty="0"/>
-              <a:t>10/30/2017</a:t>
+              <a:t>10/31/2017</a:t>
             </a:fld>
             <a:endParaRPr lang="en-US" dirty="0"/>
           </a:p>
@@ -2961,7 +2965,7 @@
           <a:p>
             <a:fld id="{4509A250-FF31-4206-8172-F9D3106AACB1}" type="datetimeFigureOut">
               <a:rPr lang="en-US" dirty="0"/>
-              <a:t>10/30/2017</a:t>
+              <a:t>10/31/2017</a:t>
             </a:fld>
             <a:endParaRPr lang="en-US" dirty="0"/>
           </a:p>
@@ -3136,7 +3140,7 @@
           <a:p>
             <a:fld id="{4509A250-FF31-4206-8172-F9D3106AACB1}" type="datetimeFigureOut">
               <a:rPr lang="en-US" dirty="0"/>
-              <a:t>10/30/2017</a:t>
+              <a:t>10/31/2017</a:t>
             </a:fld>
             <a:endParaRPr lang="en-US" dirty="0"/>
           </a:p>
@@ -3301,7 +3305,7 @@
           <a:p>
             <a:fld id="{4509A250-FF31-4206-8172-F9D3106AACB1}" type="datetimeFigureOut">
               <a:rPr lang="en-US" dirty="0"/>
-              <a:t>10/30/2017</a:t>
+              <a:t>10/31/2017</a:t>
             </a:fld>
             <a:endParaRPr lang="en-US" dirty="0"/>
           </a:p>
@@ -3540,7 +3544,7 @@
           <a:p>
             <a:fld id="{4509A250-FF31-4206-8172-F9D3106AACB1}" type="datetimeFigureOut">
               <a:rPr lang="en-US" dirty="0"/>
-              <a:t>10/30/2017</a:t>
+              <a:t>10/31/2017</a:t>
             </a:fld>
             <a:endParaRPr lang="en-US" dirty="0"/>
           </a:p>
@@ -3827,7 +3831,7 @@
           <a:p>
             <a:fld id="{4509A250-FF31-4206-8172-F9D3106AACB1}" type="datetimeFigureOut">
               <a:rPr lang="en-US" dirty="0"/>
-              <a:t>10/30/2017</a:t>
+              <a:t>10/31/2017</a:t>
             </a:fld>
             <a:endParaRPr lang="en-US" dirty="0"/>
           </a:p>
@@ -4260,7 +4264,7 @@
           <a:p>
             <a:fld id="{4509A250-FF31-4206-8172-F9D3106AACB1}" type="datetimeFigureOut">
               <a:rPr lang="en-US" dirty="0"/>
-              <a:t>10/30/2017</a:t>
+              <a:t>10/31/2017</a:t>
             </a:fld>
             <a:endParaRPr lang="en-US" dirty="0"/>
           </a:p>
@@ -4373,7 +4377,7 @@
           <a:p>
             <a:fld id="{4509A250-FF31-4206-8172-F9D3106AACB1}" type="datetimeFigureOut">
               <a:rPr lang="en-US" dirty="0"/>
-              <a:t>10/30/2017</a:t>
+              <a:t>10/31/2017</a:t>
             </a:fld>
             <a:endParaRPr lang="en-US" dirty="0"/>
           </a:p>
@@ -4463,7 +4467,7 @@
           <a:p>
             <a:fld id="{4509A250-FF31-4206-8172-F9D3106AACB1}" type="datetimeFigureOut">
               <a:rPr lang="en-US" dirty="0"/>
-              <a:t>10/30/2017</a:t>
+              <a:t>10/31/2017</a:t>
             </a:fld>
             <a:endParaRPr lang="en-US" dirty="0"/>
           </a:p>
@@ -4737,7 +4741,7 @@
           <a:p>
             <a:fld id="{4509A250-FF31-4206-8172-F9D3106AACB1}" type="datetimeFigureOut">
               <a:rPr lang="en-US" dirty="0"/>
-              <a:t>10/30/2017</a:t>
+              <a:t>10/31/2017</a:t>
             </a:fld>
             <a:endParaRPr lang="en-US" dirty="0"/>
           </a:p>
@@ -5007,7 +5011,7 @@
           <a:p>
             <a:fld id="{4509A250-FF31-4206-8172-F9D3106AACB1}" type="datetimeFigureOut">
               <a:rPr lang="en-US" dirty="0"/>
-              <a:t>10/30/2017</a:t>
+              <a:t>10/31/2017</a:t>
             </a:fld>
             <a:endParaRPr lang="en-US" dirty="0"/>
           </a:p>
@@ -5431,7 +5435,7 @@
           <a:p>
             <a:fld id="{4509A250-FF31-4206-8172-F9D3106AACB1}" type="datetimeFigureOut">
               <a:rPr lang="en-US" dirty="0"/>
-              <a:t>10/30/2017</a:t>
+              <a:t>10/31/2017</a:t>
             </a:fld>
             <a:endParaRPr lang="en-US" dirty="0"/>
           </a:p>
@@ -6184,6 +6188,26 @@
           <a:bodyPr/>
           <a:lstStyle/>
           <a:p>
+            <a:r>
+              <a:rPr lang="en-US" dirty="0"/>
+              <a:t>Questions are stored as JSON objects.</a:t>
+            </a:r>
+          </a:p>
+          <a:p>
+            <a:r>
+              <a:rPr lang="en-US" dirty="0"/>
+              <a:t>The database will have a questions table; each JSON field will be an attribute in the table.</a:t>
+            </a:r>
+          </a:p>
+          <a:p>
+            <a:r>
+              <a:rPr lang="en-US" dirty="0"/>
+              <a:t>Questions passed between the many methods of </a:t>
+            </a:r>
+            <a:r>
+              <a:rPr lang="en-US"/>
+              <a:t>the program.</a:t>
+            </a:r>
             <a:endParaRPr lang="en-US" dirty="0"/>
           </a:p>
         </p:txBody>
